--- a/Week1/0 - Introduction.pptx
+++ b/Week1/0 - Introduction.pptx
@@ -222,7 +222,7 @@
           <a:p>
             <a:fld id="{2AD1A594-041B-449E-89BC-5A6CB1F5A9AB}" type="datetimeFigureOut">
               <a:rPr lang="id-ID" smtClean="0"/>
-              <a:t>16/07/2020</a:t>
+              <a:t>17/07/2020</a:t>
             </a:fld>
             <a:endParaRPr lang="id-ID"/>
           </a:p>
@@ -387,7 +387,7 @@
           <a:p>
             <a:fld id="{3E3CCC32-3486-46B1-A8B7-921064D8D59D}" type="datetimeFigureOut">
               <a:rPr lang="en-US" smtClean="0"/>
-              <a:t>7/16/2020</a:t>
+              <a:t>7/17/2020</a:t>
             </a:fld>
             <a:endParaRPr lang="en-US"/>
           </a:p>
